--- a/Java in Education For JUGs 2.3.1.pptx
+++ b/Java in Education For JUGs 2.3.1.pptx
@@ -7756,8 +7756,8 @@
   <dgm:cxnLst>
     <dgm:cxn modelId="{D75D050D-B46E-4F97-8B1E-DC52D0B2C6EB}" srcId="{FF00AD74-CFD7-4DA4-8579-0E0DFC80D3F5}" destId="{9EE1F659-D0A8-4CB2-A6C1-2030E066E280}" srcOrd="3" destOrd="0" parTransId="{253AA000-60A5-4A29-B32A-3384692B2EEB}" sibTransId="{FAAF0C9E-7177-4E11-91F2-5A5256A77AD4}"/>
     <dgm:cxn modelId="{F1637D1D-84B6-41FC-9610-0FE0CE7FADF9}" type="presOf" srcId="{FF00AD74-CFD7-4DA4-8579-0E0DFC80D3F5}" destId="{F2884767-5D78-4747-B3AC-A8D960C51E07}" srcOrd="0" destOrd="0" presId="urn:microsoft.com/office/officeart/2008/layout/LinedList"/>
+    <dgm:cxn modelId="{40F9C555-BC27-488F-9AF0-6A9AA2312559}" type="presOf" srcId="{E380212F-CA03-43E5-974E-7426950EA5B8}" destId="{D66126E4-4563-49BE-9E0B-06A53A9C0857}" srcOrd="0" destOrd="0" presId="urn:microsoft.com/office/officeart/2008/layout/LinedList"/>
     <dgm:cxn modelId="{DEF73473-5B5D-46F7-96BE-9EEE0BC7D599}" type="presOf" srcId="{45AAC7F7-D4AF-4F56-AAC1-6E93EE92B4F3}" destId="{6EA67E0F-239A-45A6-8D86-F420ACBF7F72}" srcOrd="0" destOrd="0" presId="urn:microsoft.com/office/officeart/2008/layout/LinedList"/>
-    <dgm:cxn modelId="{40F9C555-BC27-488F-9AF0-6A9AA2312559}" type="presOf" srcId="{E380212F-CA03-43E5-974E-7426950EA5B8}" destId="{D66126E4-4563-49BE-9E0B-06A53A9C0857}" srcOrd="0" destOrd="0" presId="urn:microsoft.com/office/officeart/2008/layout/LinedList"/>
     <dgm:cxn modelId="{E1BFFC8F-F4A0-47D5-9393-D5949130B3FE}" srcId="{FF00AD74-CFD7-4DA4-8579-0E0DFC80D3F5}" destId="{45AAC7F7-D4AF-4F56-AAC1-6E93EE92B4F3}" srcOrd="4" destOrd="0" parTransId="{E675243D-EF22-4B27-B369-E5A072A230A2}" sibTransId="{261FB301-96E4-4768-BF70-B27ACFDD51FF}"/>
     <dgm:cxn modelId="{FC56D2A2-CBEF-42FE-AD4D-09E0AD223AF0}" type="presOf" srcId="{9EE1F659-D0A8-4CB2-A6C1-2030E066E280}" destId="{B3CF9693-1B56-44C7-8C22-E69B83792EEC}" srcOrd="0" destOrd="0" presId="urn:microsoft.com/office/officeart/2008/layout/LinedList"/>
     <dgm:cxn modelId="{AE91A3C5-6D9E-4AD4-942A-5CE73A484609}" srcId="{FF00AD74-CFD7-4DA4-8579-0E0DFC80D3F5}" destId="{8D4B9EA0-86A1-409A-8138-AC5268C56692}" srcOrd="1" destOrd="0" parTransId="{1F2C8C0C-989F-48AF-9FC9-0DCD582CA497}" sibTransId="{24ED4A79-03F4-4413-AFF0-A9508E33DBBC}"/>
@@ -8204,8 +8204,8 @@
     <dgm:cxn modelId="{F0937422-5899-4081-AEE9-19F74107BBF2}" type="presOf" srcId="{16BE3AC6-2CDE-471E-B5A9-51D4A243F06E}" destId="{F9358187-C30A-4E00-BE99-C8F4F50F694F}" srcOrd="0" destOrd="0" presId="urn:microsoft.com/office/officeart/2005/8/layout/vList5"/>
     <dgm:cxn modelId="{E4E47B3A-9005-4304-871F-AB5F739E2658}" srcId="{8F521596-0E93-4110-AD72-29AFFA34AF2D}" destId="{4B2D1BAF-B118-4660-95F3-1E004DC2BC49}" srcOrd="0" destOrd="0" parTransId="{4E091E2F-EDD6-471A-93EB-A4FC9BC27042}" sibTransId="{2D881FD6-4DC5-4577-9C34-3F595445B198}"/>
     <dgm:cxn modelId="{F8113F4F-E6A7-4857-837B-F679F1E263C5}" type="presOf" srcId="{4B2D1BAF-B118-4660-95F3-1E004DC2BC49}" destId="{71970499-935C-43B4-8D3B-145588179C77}" srcOrd="0" destOrd="0" presId="urn:microsoft.com/office/officeart/2005/8/layout/vList5"/>
+    <dgm:cxn modelId="{A1FBC65A-94FE-4A43-AFA4-9DB869C36CB1}" type="presOf" srcId="{E2DF1BD2-7DBB-49B9-938D-64DB1C8415B3}" destId="{8ACBA34C-C477-469C-9017-B50B8874BDDD}" srcOrd="0" destOrd="0" presId="urn:microsoft.com/office/officeart/2005/8/layout/vList5"/>
     <dgm:cxn modelId="{637E8976-2C12-49EB-91D9-F507AD9EA7D5}" type="presOf" srcId="{51C5695D-6A59-4928-8432-B12F23906733}" destId="{722392FA-5864-49F2-8CA2-52B5AA699977}" srcOrd="0" destOrd="0" presId="urn:microsoft.com/office/officeart/2005/8/layout/vList5"/>
-    <dgm:cxn modelId="{A1FBC65A-94FE-4A43-AFA4-9DB869C36CB1}" type="presOf" srcId="{E2DF1BD2-7DBB-49B9-938D-64DB1C8415B3}" destId="{8ACBA34C-C477-469C-9017-B50B8874BDDD}" srcOrd="0" destOrd="0" presId="urn:microsoft.com/office/officeart/2005/8/layout/vList5"/>
     <dgm:cxn modelId="{D51C0780-92D1-40E3-8154-A5813F71C1B4}" type="presOf" srcId="{8F521596-0E93-4110-AD72-29AFFA34AF2D}" destId="{2CE81B4F-E05D-445D-9CC1-4ADC33892B65}" srcOrd="0" destOrd="0" presId="urn:microsoft.com/office/officeart/2005/8/layout/vList5"/>
     <dgm:cxn modelId="{48416A80-834A-435B-86A6-A2991CA19C3F}" srcId="{4B2D1BAF-B118-4660-95F3-1E004DC2BC49}" destId="{6914C0E9-F070-44A1-B0F8-4D1499308726}" srcOrd="0" destOrd="0" parTransId="{D68BCA51-42FA-49B1-B67D-CA7BE3E34FD3}" sibTransId="{C1591DFF-5E1A-4EA6-95C2-988CAE074F74}"/>
     <dgm:cxn modelId="{8BFB8F93-9B74-4FDD-99A1-E6AC46F842A7}" srcId="{7124156B-B13B-439E-BDA6-17D9F25DC315}" destId="{51C5695D-6A59-4928-8432-B12F23906733}" srcOrd="0" destOrd="0" parTransId="{DA87ED6D-8321-4158-BB6D-481541646A12}" sibTransId="{3277F37B-10DC-4202-99C2-14751905733D}"/>
@@ -9335,10 +9335,10 @@
     <dgm:cxn modelId="{4AE4FD1C-1BC9-420A-AA93-46DCB4E5296C}" srcId="{1B34B08E-C60D-4C3F-BF8F-84B7304D79C8}" destId="{71B80BBD-B8D5-480D-8769-9F33589C7D7A}" srcOrd="3" destOrd="0" parTransId="{90D78A38-5600-4FAB-B407-43595DED417E}" sibTransId="{9CFA1DC6-A04F-418A-BCA9-2990015D76AA}"/>
     <dgm:cxn modelId="{683B1231-2C57-4A42-A9D5-7CE8AEEA5752}" type="presOf" srcId="{71B80BBD-B8D5-480D-8769-9F33589C7D7A}" destId="{B718AD6F-98C8-46E1-B57F-CFF634528F64}" srcOrd="0" destOrd="0" presId="urn:microsoft.com/office/officeart/2005/8/layout/vList2"/>
     <dgm:cxn modelId="{6D611A35-0DAD-427D-A6AC-8BC911ED88FA}" type="presOf" srcId="{602DE4BB-34C6-43A9-BBE1-A2E9F6D86308}" destId="{7F976C01-1A8E-42B0-90A8-C9EF38168BFF}" srcOrd="0" destOrd="0" presId="urn:microsoft.com/office/officeart/2005/8/layout/vList2"/>
+    <dgm:cxn modelId="{B8E4B448-F5CC-4472-8EB0-BD5DC4CF837D}" srcId="{1B34B08E-C60D-4C3F-BF8F-84B7304D79C8}" destId="{CAB706EF-11B9-46B1-A8CF-FA90A886FAF8}" srcOrd="1" destOrd="0" parTransId="{6BA92645-636B-4A59-9293-9C933EF4E5D6}" sibTransId="{A44AE0DC-1D09-40FE-A89C-0752B78345C9}"/>
+    <dgm:cxn modelId="{36072654-70D8-480F-BFB2-F1C7A6B3E7D1}" srcId="{1B34B08E-C60D-4C3F-BF8F-84B7304D79C8}" destId="{405834FF-68A5-4074-8CD5-683211200007}" srcOrd="2" destOrd="0" parTransId="{830BF31C-E959-4BC3-A67A-AC102AEF9137}" sibTransId="{01596C86-B731-4E21-A993-C559AA2296BB}"/>
     <dgm:cxn modelId="{209A275E-66CE-49BA-8620-14F9E625F8D4}" type="presOf" srcId="{05EFC6F4-EAE4-4B33-9AEE-78747E45DAB3}" destId="{353EFBF6-EB1F-4624-AC4F-2B47AAAB64F6}" srcOrd="0" destOrd="0" presId="urn:microsoft.com/office/officeart/2005/8/layout/vList2"/>
     <dgm:cxn modelId="{E47C1F60-7E64-4F01-A23E-A64212C73BC2}" srcId="{05EFC6F4-EAE4-4B33-9AEE-78747E45DAB3}" destId="{602DE4BB-34C6-43A9-BBE1-A2E9F6D86308}" srcOrd="0" destOrd="0" parTransId="{8FD54A6C-43E0-4912-B005-9B95D4F25B5D}" sibTransId="{184F95A9-5644-4DAC-B8C3-E721D84B14D4}"/>
-    <dgm:cxn modelId="{B8E4B448-F5CC-4472-8EB0-BD5DC4CF837D}" srcId="{1B34B08E-C60D-4C3F-BF8F-84B7304D79C8}" destId="{CAB706EF-11B9-46B1-A8CF-FA90A886FAF8}" srcOrd="1" destOrd="0" parTransId="{6BA92645-636B-4A59-9293-9C933EF4E5D6}" sibTransId="{A44AE0DC-1D09-40FE-A89C-0752B78345C9}"/>
-    <dgm:cxn modelId="{36072654-70D8-480F-BFB2-F1C7A6B3E7D1}" srcId="{1B34B08E-C60D-4C3F-BF8F-84B7304D79C8}" destId="{405834FF-68A5-4074-8CD5-683211200007}" srcOrd="2" destOrd="0" parTransId="{830BF31C-E959-4BC3-A67A-AC102AEF9137}" sibTransId="{01596C86-B731-4E21-A993-C559AA2296BB}"/>
     <dgm:cxn modelId="{B551C086-AE3B-4C0C-9504-E6E743156188}" type="presOf" srcId="{1B34B08E-C60D-4C3F-BF8F-84B7304D79C8}" destId="{90FD8710-D1A0-4C1F-AF62-02AE6EC4FA84}" srcOrd="0" destOrd="0" presId="urn:microsoft.com/office/officeart/2005/8/layout/vList2"/>
     <dgm:cxn modelId="{8C20209A-69BF-4E40-86D9-1E4E8F0233F9}" type="presOf" srcId="{405834FF-68A5-4074-8CD5-683211200007}" destId="{D29E8B74-D65E-4649-BC29-719C89E340C0}" srcOrd="0" destOrd="0" presId="urn:microsoft.com/office/officeart/2005/8/layout/vList2"/>
     <dgm:cxn modelId="{9BB0DFAB-6661-48B7-A2CC-336E91ECD06D}" srcId="{1B34B08E-C60D-4C3F-BF8F-84B7304D79C8}" destId="{0A13F5E5-8A16-41C5-9AC5-E912EA97AED7}" srcOrd="4" destOrd="0" parTransId="{C36CF0A6-7B6D-44B8-8B75-B3A524AEA274}" sibTransId="{7D1E09D2-9BF2-4E4F-B08B-B395AAB5C468}"/>
@@ -10293,10 +10293,10 @@
   </dgm:ptLst>
   <dgm:cxnLst>
     <dgm:cxn modelId="{A06A1C2C-A430-4713-AD60-0810ADCB7DAD}" srcId="{350B51AF-49D1-49CA-A7B1-9D7AD1EE57F1}" destId="{9CDD0EAA-9885-4B56-B8F8-549751A308F4}" srcOrd="0" destOrd="0" parTransId="{53772EDB-BA1D-4183-8E17-5DF62D3082EF}" sibTransId="{8F3B9581-36C0-46B4-9F14-E15FBC434143}"/>
+    <dgm:cxn modelId="{739EAB52-7630-49DE-9703-33517A5B2798}" srcId="{350B51AF-49D1-49CA-A7B1-9D7AD1EE57F1}" destId="{3D87BA62-020C-40B6-AEE4-C1A3008C4D23}" srcOrd="2" destOrd="0" parTransId="{7BBB10B2-202B-493E-8CB3-0CC378940696}" sibTransId="{6438A429-7F32-40A8-9839-FF78403464C9}"/>
+    <dgm:cxn modelId="{039D6357-2797-4647-AD71-2C6FD93C7E2E}" type="presOf" srcId="{57A41813-1BB5-4A79-854B-95EE579CC694}" destId="{A0D83735-B946-4AFD-AA03-F0A32706C02B}" srcOrd="0" destOrd="0" presId="urn:microsoft.com/office/officeart/2018/2/layout/IconVerticalSolidList"/>
     <dgm:cxn modelId="{47036C6B-6436-42FA-ABC7-ED070C395363}" type="presOf" srcId="{9CDD0EAA-9885-4B56-B8F8-549751A308F4}" destId="{69FB090B-9DF5-4709-BFCE-7674395FAC0A}" srcOrd="0" destOrd="0" presId="urn:microsoft.com/office/officeart/2018/2/layout/IconVerticalSolidList"/>
     <dgm:cxn modelId="{8AC8C76D-D426-410E-BAD4-4DAE3CC4D7DB}" srcId="{350B51AF-49D1-49CA-A7B1-9D7AD1EE57F1}" destId="{57A41813-1BB5-4A79-854B-95EE579CC694}" srcOrd="1" destOrd="0" parTransId="{9B8797A3-9D5B-4692-8665-854DC800D651}" sibTransId="{9D027A5E-F85D-435A-9C41-F6309B24C2C8}"/>
-    <dgm:cxn modelId="{739EAB52-7630-49DE-9703-33517A5B2798}" srcId="{350B51AF-49D1-49CA-A7B1-9D7AD1EE57F1}" destId="{3D87BA62-020C-40B6-AEE4-C1A3008C4D23}" srcOrd="2" destOrd="0" parTransId="{7BBB10B2-202B-493E-8CB3-0CC378940696}" sibTransId="{6438A429-7F32-40A8-9839-FF78403464C9}"/>
-    <dgm:cxn modelId="{039D6357-2797-4647-AD71-2C6FD93C7E2E}" type="presOf" srcId="{57A41813-1BB5-4A79-854B-95EE579CC694}" destId="{A0D83735-B946-4AFD-AA03-F0A32706C02B}" srcOrd="0" destOrd="0" presId="urn:microsoft.com/office/officeart/2018/2/layout/IconVerticalSolidList"/>
     <dgm:cxn modelId="{AA327277-4D04-489C-AE3E-2514BB16CA6B}" srcId="{350B51AF-49D1-49CA-A7B1-9D7AD1EE57F1}" destId="{63CEABA3-D74A-4854-99EC-E62FAFE88ADF}" srcOrd="4" destOrd="0" parTransId="{AC52266E-7F6D-4C7C-AC9B-18B144F45202}" sibTransId="{778A584D-22D6-4E21-B30C-D165A0621CA0}"/>
     <dgm:cxn modelId="{632F8297-C2D8-4F33-9B3C-ADD7C33CC5F7}" type="presOf" srcId="{350B51AF-49D1-49CA-A7B1-9D7AD1EE57F1}" destId="{DED99785-61B3-4767-8B7F-B89C5FEAC982}" srcOrd="0" destOrd="0" presId="urn:microsoft.com/office/officeart/2018/2/layout/IconVerticalSolidList"/>
     <dgm:cxn modelId="{D7AC5C99-0073-40C0-B19A-5988C2900338}" type="presOf" srcId="{63CEABA3-D74A-4854-99EC-E62FAFE88ADF}" destId="{AED68DCF-EEDD-41CC-BCF9-B2BAD7C0EB67}" srcOrd="0" destOrd="0" presId="urn:microsoft.com/office/officeart/2018/2/layout/IconVerticalSolidList"/>
@@ -10850,11 +10850,11 @@
     <dgm:cxn modelId="{58453F27-7498-4D13-8D11-412049A40E1F}" type="presOf" srcId="{B4F8D86D-2517-449A-A811-D81CD3804791}" destId="{DFB1A67B-DC52-4A4C-B2CF-90B4735D5EB6}" srcOrd="1" destOrd="0" presId="urn:microsoft.com/office/officeart/2016/7/layout/RepeatingBendingProcessNew"/>
     <dgm:cxn modelId="{52686D28-5905-4A80-A573-A3E477D0E231}" type="presOf" srcId="{9386102A-D1FE-45F9-B698-6467148961E3}" destId="{01E684DD-0DAC-4B52-9C2C-2C4308533AA3}" srcOrd="1" destOrd="0" presId="urn:microsoft.com/office/officeart/2016/7/layout/RepeatingBendingProcessNew"/>
     <dgm:cxn modelId="{980A082D-AABF-47F3-86EF-70BDE6667E4E}" type="presOf" srcId="{460AA0E8-FB2F-466C-A308-18204707F1DF}" destId="{84318B43-939A-46EF-9616-FB2AA29FBEE9}" srcOrd="1" destOrd="0" presId="urn:microsoft.com/office/officeart/2016/7/layout/RepeatingBendingProcessNew"/>
-    <dgm:cxn modelId="{5913C863-1A51-41B7-AD90-92C8DCA10F74}" type="presOf" srcId="{6FB5B828-DBC4-45BF-8987-706504A3A082}" destId="{BC6E1370-619A-451A-A777-31EBDDB95504}" srcOrd="0" destOrd="0" presId="urn:microsoft.com/office/officeart/2016/7/layout/RepeatingBendingProcessNew"/>
     <dgm:cxn modelId="{D60D1247-896D-41F1-BB49-A9D74DEA748B}" type="presOf" srcId="{080E3C20-9DCE-41AB-92B9-D60AA0A4C6F9}" destId="{2FA96ECD-0325-45C8-8FED-4AE2BEB4B3AC}" srcOrd="0" destOrd="0" presId="urn:microsoft.com/office/officeart/2016/7/layout/RepeatingBendingProcessNew"/>
     <dgm:cxn modelId="{1BA2D448-E871-4BB8-BBBD-AFB98E9B7F81}" type="presOf" srcId="{6414942B-06CC-41E9-8993-9900D138A1E9}" destId="{12DB0CA1-5607-4427-9FD3-69010117C919}" srcOrd="0" destOrd="0" presId="urn:microsoft.com/office/officeart/2016/7/layout/RepeatingBendingProcessNew"/>
     <dgm:cxn modelId="{9171C449-96CD-48C3-B6C7-FD77804338BC}" type="presOf" srcId="{38C51B2E-D067-4C99-8DF8-50BBC8EDAEFE}" destId="{076436D7-4D39-4279-89F3-74BAD27AE2E4}" srcOrd="0" destOrd="0" presId="urn:microsoft.com/office/officeart/2016/7/layout/RepeatingBendingProcessNew"/>
     <dgm:cxn modelId="{BBD81559-2E8F-43E7-86F0-D82CE441AAE4}" type="presOf" srcId="{F02A5E01-8DC0-42CC-AE66-8AAEE52F5CA6}" destId="{C7875D47-AE5F-4741-AE59-78BADD36D59B}" srcOrd="0" destOrd="0" presId="urn:microsoft.com/office/officeart/2016/7/layout/RepeatingBendingProcessNew"/>
+    <dgm:cxn modelId="{5913C863-1A51-41B7-AD90-92C8DCA10F74}" type="presOf" srcId="{6FB5B828-DBC4-45BF-8987-706504A3A082}" destId="{BC6E1370-619A-451A-A777-31EBDDB95504}" srcOrd="0" destOrd="0" presId="urn:microsoft.com/office/officeart/2016/7/layout/RepeatingBendingProcessNew"/>
     <dgm:cxn modelId="{B4669679-2E7C-40EE-9CF3-89BC48B509E2}" type="presOf" srcId="{00D0A81C-11F5-4D1E-8224-DABF4CCB53DD}" destId="{F993E031-C3CC-45A6-B5DB-B14ED955244B}" srcOrd="0" destOrd="0" presId="urn:microsoft.com/office/officeart/2016/7/layout/RepeatingBendingProcessNew"/>
     <dgm:cxn modelId="{0E72657B-BC76-43F7-B61C-168F5CD27EEA}" type="presOf" srcId="{CD90E8ED-700D-454A-A332-D9EB7351803D}" destId="{B5503D77-0634-4EF7-832A-AF840A5A6C81}" srcOrd="0" destOrd="0" presId="urn:microsoft.com/office/officeart/2016/7/layout/RepeatingBendingProcessNew"/>
     <dgm:cxn modelId="{D738007C-8489-4EE3-9031-37311A669334}" type="presOf" srcId="{B83B0F17-74EE-45FF-B1D5-32895D85E53F}" destId="{36C90E7F-3538-4316-8B1B-4A83C9424CB8}" srcOrd="1" destOrd="0" presId="urn:microsoft.com/office/officeart/2016/7/layout/RepeatingBendingProcessNew"/>
@@ -27654,7 +27654,7 @@
           <a:p>
             <a:fld id="{9121783E-A17C-4404-A1E8-2924B9744901}" type="datetimeFigureOut">
               <a:rPr lang="en-CA" smtClean="0"/>
-              <a:t>2024-06-11</a:t>
+              <a:t>2024-06-17</a:t>
             </a:fld>
             <a:endParaRPr lang="en-CA"/>
           </a:p>
@@ -27831,7 +27831,7 @@
           <a:p>
             <a:fld id="{38056CE0-E3A8-4B04-85A3-E31915DD9E24}" type="datetimeFigureOut">
               <a:rPr lang="en-CA" smtClean="0"/>
-              <a:t>2024-06-11</a:t>
+              <a:t>2024-06-17</a:t>
             </a:fld>
             <a:endParaRPr lang="en-CA"/>
           </a:p>
@@ -31721,7 +31721,7 @@
           <a:p>
             <a:fld id="{34109114-E13B-445C-81F4-3F8D639FE469}" type="datetimeFigureOut">
               <a:rPr lang="en-CA" smtClean="0"/>
-              <a:t>2024-06-11</a:t>
+              <a:t>2024-06-17</a:t>
             </a:fld>
             <a:endParaRPr lang="en-CA"/>
           </a:p>
@@ -31921,7 +31921,7 @@
           <a:p>
             <a:fld id="{34109114-E13B-445C-81F4-3F8D639FE469}" type="datetimeFigureOut">
               <a:rPr lang="en-CA" smtClean="0"/>
-              <a:t>2024-06-11</a:t>
+              <a:t>2024-06-17</a:t>
             </a:fld>
             <a:endParaRPr lang="en-CA"/>
           </a:p>
@@ -32131,7 +32131,7 @@
           <a:p>
             <a:fld id="{34109114-E13B-445C-81F4-3F8D639FE469}" type="datetimeFigureOut">
               <a:rPr lang="en-CA" smtClean="0"/>
-              <a:t>2024-06-11</a:t>
+              <a:t>2024-06-17</a:t>
             </a:fld>
             <a:endParaRPr lang="en-CA"/>
           </a:p>
@@ -32331,7 +32331,7 @@
           <a:p>
             <a:fld id="{34109114-E13B-445C-81F4-3F8D639FE469}" type="datetimeFigureOut">
               <a:rPr lang="en-CA" smtClean="0"/>
-              <a:t>2024-06-11</a:t>
+              <a:t>2024-06-17</a:t>
             </a:fld>
             <a:endParaRPr lang="en-CA"/>
           </a:p>
@@ -32607,7 +32607,7 @@
           <a:p>
             <a:fld id="{34109114-E13B-445C-81F4-3F8D639FE469}" type="datetimeFigureOut">
               <a:rPr lang="en-CA" smtClean="0"/>
-              <a:t>2024-06-11</a:t>
+              <a:t>2024-06-17</a:t>
             </a:fld>
             <a:endParaRPr lang="en-CA"/>
           </a:p>
@@ -32875,7 +32875,7 @@
           <a:p>
             <a:fld id="{34109114-E13B-445C-81F4-3F8D639FE469}" type="datetimeFigureOut">
               <a:rPr lang="en-CA" smtClean="0"/>
-              <a:t>2024-06-11</a:t>
+              <a:t>2024-06-17</a:t>
             </a:fld>
             <a:endParaRPr lang="en-CA"/>
           </a:p>
@@ -33290,7 +33290,7 @@
           <a:p>
             <a:fld id="{34109114-E13B-445C-81F4-3F8D639FE469}" type="datetimeFigureOut">
               <a:rPr lang="en-CA" smtClean="0"/>
-              <a:t>2024-06-11</a:t>
+              <a:t>2024-06-17</a:t>
             </a:fld>
             <a:endParaRPr lang="en-CA"/>
           </a:p>
@@ -33432,7 +33432,7 @@
           <a:p>
             <a:fld id="{34109114-E13B-445C-81F4-3F8D639FE469}" type="datetimeFigureOut">
               <a:rPr lang="en-CA" smtClean="0"/>
-              <a:t>2024-06-11</a:t>
+              <a:t>2024-06-17</a:t>
             </a:fld>
             <a:endParaRPr lang="en-CA"/>
           </a:p>
@@ -33545,7 +33545,7 @@
           <a:p>
             <a:fld id="{34109114-E13B-445C-81F4-3F8D639FE469}" type="datetimeFigureOut">
               <a:rPr lang="en-CA" smtClean="0"/>
-              <a:t>2024-06-11</a:t>
+              <a:t>2024-06-17</a:t>
             </a:fld>
             <a:endParaRPr lang="en-CA"/>
           </a:p>
@@ -33858,7 +33858,7 @@
           <a:p>
             <a:fld id="{34109114-E13B-445C-81F4-3F8D639FE469}" type="datetimeFigureOut">
               <a:rPr lang="en-CA" smtClean="0"/>
-              <a:t>2024-06-11</a:t>
+              <a:t>2024-06-17</a:t>
             </a:fld>
             <a:endParaRPr lang="en-CA"/>
           </a:p>
@@ -34147,7 +34147,7 @@
           <a:p>
             <a:fld id="{34109114-E13B-445C-81F4-3F8D639FE469}" type="datetimeFigureOut">
               <a:rPr lang="en-CA" smtClean="0"/>
-              <a:t>2024-06-11</a:t>
+              <a:t>2024-06-17</a:t>
             </a:fld>
             <a:endParaRPr lang="en-CA"/>
           </a:p>
@@ -34390,7 +34390,7 @@
           <a:p>
             <a:fld id="{34109114-E13B-445C-81F4-3F8D639FE469}" type="datetimeFigureOut">
               <a:rPr lang="en-CA" smtClean="0"/>
-              <a:t>2024-06-11</a:t>
+              <a:t>2024-06-17</a:t>
             </a:fld>
             <a:endParaRPr lang="en-CA"/>
           </a:p>
@@ -35153,18 +35153,13 @@
           <a:p>
             <a:pPr algn="r"/>
             <a:r>
-              <a:rPr lang="en-CA" sz="1800">
+              <a:rPr lang="en-CA" sz="1800" dirty="0">
                 <a:solidFill>
                   <a:srgbClr val="FFFFFF"/>
                 </a:solidFill>
               </a:rPr>
-              <a:t>Version 2.3</a:t>
+              <a:t>Version 2.3.1</a:t>
             </a:r>
-            <a:endParaRPr lang="en-CA" sz="1800" dirty="0">
-              <a:solidFill>
-                <a:srgbClr val="FFFFFF"/>
-              </a:solidFill>
-            </a:endParaRPr>
           </a:p>
         </p:txBody>
       </p:sp>
